--- a/slides/week1/ML syllabus (113-1).pptx
+++ b/slides/week1/ML syllabus (113-1).pptx
@@ -251,7 +251,7 @@
   </p:defaultTextStyle>
   <p:extLst>
     <p:ext uri="GoogleSlidesCustomDataVersion2">
-      <go:slidesCustomData xmlns:go="http://customooxmlschemas.google.com/" r:id="rId15" roundtripDataSignature="AMtx7mg8e4PjGRLEOQvW5tUQcC8Jsfi1IA=="/>
+      <go:slidesCustomData xmlns:go="http://customooxmlschemas.google.com/" r:id="rId15" roundtripDataSignature="AMtx7miXeBbecJki/2PCMrGbLp7I1lbMGg=="/>
     </p:ext>
   </p:extLst>
 </p:presentation>
@@ -2809,7 +2809,7 @@
   <p:cSld>
     <p:spTree>
       <p:nvGrpSpPr>
-        <p:cNvPr id="139" name="Shape 139"/>
+        <p:cNvPr id="142" name="Shape 142"/>
         <p:cNvGrpSpPr/>
         <p:nvPr/>
       </p:nvGrpSpPr>
@@ -2823,7 +2823,7 @@
       </p:grpSpPr>
       <p:sp>
         <p:nvSpPr>
-          <p:cNvPr id="140" name="Google Shape;140;p8:notes"/>
+          <p:cNvPr id="143" name="Google Shape;143;p8:notes"/>
           <p:cNvSpPr/>
           <p:nvPr>
             <p:ph idx="2" type="sldImg"/>
@@ -2868,7 +2868,7 @@
       </p:sp>
       <p:sp>
         <p:nvSpPr>
-          <p:cNvPr id="141" name="Google Shape;141;p8:notes"/>
+          <p:cNvPr id="144" name="Google Shape;144;p8:notes"/>
           <p:cNvSpPr txBox="1"/>
           <p:nvPr>
             <p:ph idx="1" type="body"/>
@@ -2919,7 +2919,7 @@
       </p:sp>
       <p:sp>
         <p:nvSpPr>
-          <p:cNvPr id="142" name="Google Shape;142;p8:notes"/>
+          <p:cNvPr id="145" name="Google Shape;145;p8:notes"/>
           <p:cNvSpPr txBox="1"/>
           <p:nvPr>
             <p:ph idx="12" type="sldNum"/>
@@ -2978,7 +2978,7 @@
   <p:cSld>
     <p:spTree>
       <p:nvGrpSpPr>
-        <p:cNvPr id="147" name="Shape 147"/>
+        <p:cNvPr id="150" name="Shape 150"/>
         <p:cNvGrpSpPr/>
         <p:nvPr/>
       </p:nvGrpSpPr>
@@ -2992,7 +2992,7 @@
       </p:grpSpPr>
       <p:sp>
         <p:nvSpPr>
-          <p:cNvPr id="148" name="Google Shape;148;p9:notes"/>
+          <p:cNvPr id="151" name="Google Shape;151;p9:notes"/>
           <p:cNvSpPr/>
           <p:nvPr>
             <p:ph idx="2" type="sldImg"/>
@@ -3037,7 +3037,7 @@
       </p:sp>
       <p:sp>
         <p:nvSpPr>
-          <p:cNvPr id="149" name="Google Shape;149;p9:notes"/>
+          <p:cNvPr id="152" name="Google Shape;152;p9:notes"/>
           <p:cNvSpPr txBox="1"/>
           <p:nvPr>
             <p:ph idx="1" type="body"/>
@@ -3089,7 +3089,7 @@
       </p:sp>
       <p:sp>
         <p:nvSpPr>
-          <p:cNvPr id="150" name="Google Shape;150;p9:notes"/>
+          <p:cNvPr id="153" name="Google Shape;153;p9:notes"/>
           <p:cNvSpPr txBox="1"/>
           <p:nvPr>
             <p:ph idx="12" type="sldNum"/>
@@ -3148,7 +3148,7 @@
   <p:cSld>
     <p:spTree>
       <p:nvGrpSpPr>
-        <p:cNvPr id="155" name="Shape 155"/>
+        <p:cNvPr id="158" name="Shape 158"/>
         <p:cNvGrpSpPr/>
         <p:nvPr/>
       </p:nvGrpSpPr>
@@ -3162,7 +3162,7 @@
       </p:grpSpPr>
       <p:sp>
         <p:nvSpPr>
-          <p:cNvPr id="156" name="Google Shape;156;p24:notes"/>
+          <p:cNvPr id="159" name="Google Shape;159;p24:notes"/>
           <p:cNvSpPr/>
           <p:nvPr>
             <p:ph idx="2" type="sldImg"/>
@@ -3207,7 +3207,7 @@
       </p:sp>
       <p:sp>
         <p:nvSpPr>
-          <p:cNvPr id="157" name="Google Shape;157;p24:notes"/>
+          <p:cNvPr id="160" name="Google Shape;160;p24:notes"/>
           <p:cNvSpPr txBox="1"/>
           <p:nvPr>
             <p:ph idx="1" type="body"/>
@@ -3259,7 +3259,7 @@
       </p:sp>
       <p:sp>
         <p:nvSpPr>
-          <p:cNvPr id="158" name="Google Shape;158;p24:notes"/>
+          <p:cNvPr id="161" name="Google Shape;161;p24:notes"/>
           <p:cNvSpPr txBox="1"/>
           <p:nvPr>
             <p:ph idx="12" type="sldNum"/>
@@ -16636,6 +16636,60 @@
             <a:endParaRPr sz="1400"/>
           </a:p>
           <a:p>
+            <a:pPr indent="-171450" lvl="0" marL="336947" rtl="0" algn="l">
+              <a:lnSpc>
+                <a:spcPct val="100000"/>
+              </a:lnSpc>
+              <a:spcBef>
+                <a:spcPts val="0"/>
+              </a:spcBef>
+              <a:spcAft>
+                <a:spcPts val="0"/>
+              </a:spcAft>
+              <a:buClr>
+                <a:srgbClr val="FF0000"/>
+              </a:buClr>
+              <a:buSzPts val="1400"/>
+              <a:buChar char="•"/>
+            </a:pPr>
+            <a:r>
+              <a:rPr lang="en-US" sz="1400"/>
+              <a:t>藍照淇 </a:t>
+            </a:r>
+            <a:r>
+              <a:rPr lang="en-US" sz="1400" u="sng">
+                <a:solidFill>
+                  <a:schemeClr val="hlink"/>
+                </a:solidFill>
+                <a:hlinkClick r:id="rId9"/>
+              </a:rPr>
+              <a:t>b09901030@ntu.edu.tw</a:t>
+            </a:r>
+            <a:endParaRPr sz="1400"/>
+          </a:p>
+          <a:p>
+            <a:pPr indent="-82550" lvl="0" marL="336947" rtl="0" algn="l">
+              <a:lnSpc>
+                <a:spcPct val="100000"/>
+              </a:lnSpc>
+              <a:spcBef>
+                <a:spcPts val="0"/>
+              </a:spcBef>
+              <a:spcAft>
+                <a:spcPts val="0"/>
+              </a:spcAft>
+              <a:buClr>
+                <a:srgbClr val="FF0000"/>
+              </a:buClr>
+              <a:buSzPts val="1400"/>
+              <a:buNone/>
+            </a:pPr>
+            <a:r>
+              <a:t/>
+            </a:r>
+            <a:endParaRPr sz="1400"/>
+          </a:p>
+          <a:p>
             <a:pPr indent="-82550" lvl="0" marL="336947" rtl="0" algn="l">
               <a:lnSpc>
                 <a:spcPct val="100000"/>
@@ -17438,7 +17492,7 @@
           <p:nvPr/>
         </p:nvPicPr>
         <p:blipFill rotWithShape="1">
-          <a:blip r:embed="rId9">
+          <a:blip r:embed="rId10">
             <a:alphaModFix/>
           </a:blip>
           <a:srcRect b="0" l="0" r="0" t="0"/>
@@ -17465,7 +17519,7 @@
           <p:nvPr/>
         </p:nvPicPr>
         <p:blipFill rotWithShape="1">
-          <a:blip r:embed="rId10">
+          <a:blip r:embed="rId11">
             <a:alphaModFix/>
           </a:blip>
           <a:srcRect b="0" l="0" r="0" t="0"/>
@@ -17473,8 +17527,8 @@
         </p:blipFill>
         <p:spPr>
           <a:xfrm>
-            <a:off x="6305924" y="5468050"/>
-            <a:ext cx="952405" cy="1296700"/>
+            <a:off x="6212248" y="5471175"/>
+            <a:ext cx="918326" cy="1250300"/>
           </a:xfrm>
           <a:prstGeom prst="rect">
             <a:avLst/>
@@ -17540,7 +17594,7 @@
           <p:nvPr/>
         </p:nvPicPr>
         <p:blipFill rotWithShape="1">
-          <a:blip r:embed="rId11">
+          <a:blip r:embed="rId12">
             <a:alphaModFix/>
           </a:blip>
           <a:srcRect b="0" l="0" r="0" t="0"/>
@@ -17548,8 +17602,8 @@
         </p:blipFill>
         <p:spPr>
           <a:xfrm>
-            <a:off x="7576176" y="5468050"/>
-            <a:ext cx="1003563" cy="1296700"/>
+            <a:off x="7576176" y="5514450"/>
+            <a:ext cx="967652" cy="1250300"/>
           </a:xfrm>
           <a:prstGeom prst="rect">
             <a:avLst/>
@@ -17671,7 +17725,7 @@
             <a:tbl>
               <a:tblPr bandRow="1" firstRow="1">
                 <a:noFill/>
-                <a:tableStyleId>{3B2F38E0-A285-4A79-9844-E8827A2BBD12}</a:tableStyleId>
+                <a:tableStyleId>{0CBD2D04-DD64-4413-A53C-329CE73A34A7}</a:tableStyleId>
               </a:tblPr>
               <a:tblGrid>
                 <a:gridCol w="580300"/>
@@ -24235,7 +24289,7 @@
         </p:nvSpPr>
         <p:spPr>
           <a:xfrm>
-            <a:off x="5267131" y="1064923"/>
+            <a:off x="5324281" y="1136373"/>
             <a:ext cx="1628100" cy="338700"/>
           </a:xfrm>
           <a:prstGeom prst="rect">
@@ -24296,7 +24350,7 @@
         </p:nvSpPr>
         <p:spPr>
           <a:xfrm>
-            <a:off x="300330" y="5046283"/>
+            <a:off x="214605" y="4960558"/>
             <a:ext cx="4646700" cy="338700"/>
           </a:xfrm>
           <a:prstGeom prst="rect">
@@ -25191,7 +25245,7 @@
                 <a:cs typeface="DFKai-SB"/>
                 <a:sym typeface="DFKai-SB"/>
               </a:rPr>
-              <a:t>Tue 15:30~17:20</a:t>
+              <a:t>Wed 15:30~17:20</a:t>
             </a:r>
             <a:endParaRPr/>
           </a:p>
@@ -27189,7 +27243,7 @@
         </p:nvSpPr>
         <p:spPr>
           <a:xfrm>
-            <a:off x="2201175" y="1782964"/>
+            <a:off x="973701" y="1683146"/>
             <a:ext cx="2390684" cy="565559"/>
           </a:xfrm>
           <a:prstGeom prst="rect">
@@ -27452,7 +27506,7 @@
                 <a:cs typeface="Calibri"/>
                 <a:sym typeface="Calibri"/>
               </a:rPr>
-              <a:t> TBD</a:t>
+              <a:t> Wed 15:30~17:20 @電二147B</a:t>
             </a:r>
             <a:endParaRPr b="1" i="0" sz="2800" u="none" cap="none" strike="noStrike">
               <a:solidFill>
@@ -27474,7 +27528,7 @@
         </p:nvSpPr>
         <p:spPr>
           <a:xfrm>
-            <a:off x="1803303" y="5975032"/>
+            <a:off x="508759" y="5821144"/>
             <a:ext cx="4607958" cy="307777"/>
           </a:xfrm>
           <a:prstGeom prst="rect">
@@ -27542,7 +27596,7 @@
         </p:nvSpPr>
         <p:spPr>
           <a:xfrm>
-            <a:off x="5287432" y="1829714"/>
+            <a:off x="3869139" y="1701563"/>
             <a:ext cx="1461330" cy="565559"/>
           </a:xfrm>
           <a:prstGeom prst="rect">
@@ -27608,7 +27662,7 @@
         </p:nvSpPr>
         <p:spPr>
           <a:xfrm>
-            <a:off x="4929144" y="5970347"/>
+            <a:off x="3364385" y="5851651"/>
             <a:ext cx="4609578" cy="307777"/>
           </a:xfrm>
           <a:prstGeom prst="rect">
@@ -27683,7 +27737,7 @@
         </p:blipFill>
         <p:spPr>
           <a:xfrm>
-            <a:off x="1736722" y="2616653"/>
+            <a:off x="442178" y="2462765"/>
             <a:ext cx="2324103" cy="3212646"/>
           </a:xfrm>
           <a:prstGeom prst="rect">
@@ -27710,7 +27764,7 @@
         </p:blipFill>
         <p:spPr>
           <a:xfrm>
-            <a:off x="4879657" y="2616652"/>
+            <a:off x="3364385" y="2385754"/>
             <a:ext cx="2470839" cy="3244271"/>
           </a:xfrm>
           <a:prstGeom prst="rect">
@@ -27722,6 +27776,167 @@
           </a:ln>
         </p:spPr>
       </p:pic>
+      <p:sp>
+        <p:nvSpPr>
+          <p:cNvPr id="139" name="Google Shape;139;p6"/>
+          <p:cNvSpPr txBox="1"/>
+          <p:nvPr/>
+        </p:nvSpPr>
+        <p:spPr>
+          <a:xfrm>
+            <a:off x="6866069" y="1683146"/>
+            <a:ext cx="1461330" cy="565559"/>
+          </a:xfrm>
+          <a:prstGeom prst="rect">
+            <a:avLst/>
+          </a:prstGeom>
+          <a:noFill/>
+          <a:ln>
+            <a:noFill/>
+          </a:ln>
+        </p:spPr>
+        <p:txBody>
+          <a:bodyPr anchorCtr="0" anchor="b" bIns="45700" lIns="91425" spcFirstLastPara="1" rIns="91425" wrap="square" tIns="45700">
+            <a:normAutofit/>
+          </a:bodyPr>
+          <a:lstStyle/>
+          <a:p>
+            <a:pPr indent="0" lvl="0" marL="0" marR="0" rtl="0" algn="l">
+              <a:lnSpc>
+                <a:spcPct val="90000"/>
+              </a:lnSpc>
+              <a:spcBef>
+                <a:spcPts val="0"/>
+              </a:spcBef>
+              <a:spcAft>
+                <a:spcPts val="0"/>
+              </a:spcAft>
+              <a:buClr>
+                <a:srgbClr val="FF9900"/>
+              </a:buClr>
+              <a:buSzPts val="3200"/>
+              <a:buFont typeface="Arial"/>
+              <a:buNone/>
+            </a:pPr>
+            <a:r>
+              <a:rPr b="1" i="0" lang="en-US" sz="3200" u="none" cap="none" strike="noStrike">
+                <a:solidFill>
+                  <a:srgbClr val="FF9900"/>
+                </a:solidFill>
+                <a:latin typeface="DFKai-SB"/>
+                <a:ea typeface="DFKai-SB"/>
+                <a:cs typeface="DFKai-SB"/>
+                <a:sym typeface="DFKai-SB"/>
+              </a:rPr>
+              <a:t>藍照淇</a:t>
+            </a:r>
+            <a:endParaRPr b="0" i="0" sz="1400" u="none" cap="none" strike="noStrike">
+              <a:solidFill>
+                <a:srgbClr val="000000"/>
+              </a:solidFill>
+              <a:latin typeface="DFKai-SB"/>
+              <a:ea typeface="DFKai-SB"/>
+              <a:cs typeface="DFKai-SB"/>
+              <a:sym typeface="DFKai-SB"/>
+            </a:endParaRPr>
+          </a:p>
+        </p:txBody>
+      </p:sp>
+      <p:pic>
+        <p:nvPicPr>
+          <p:cNvPr id="140" name="Google Shape;140;p6"/>
+          <p:cNvPicPr preferRelativeResize="0"/>
+          <p:nvPr/>
+        </p:nvPicPr>
+        <p:blipFill rotWithShape="1">
+          <a:blip r:embed="rId9">
+            <a:alphaModFix/>
+          </a:blip>
+          <a:srcRect b="0" l="0" r="0" t="0"/>
+          <a:stretch/>
+        </p:blipFill>
+        <p:spPr>
+          <a:xfrm>
+            <a:off x="6368356" y="2428219"/>
+            <a:ext cx="2456756" cy="3277699"/>
+          </a:xfrm>
+          <a:prstGeom prst="rect">
+            <a:avLst/>
+          </a:prstGeom>
+          <a:noFill/>
+          <a:ln>
+            <a:noFill/>
+          </a:ln>
+        </p:spPr>
+      </p:pic>
+      <p:sp>
+        <p:nvSpPr>
+          <p:cNvPr id="141" name="Google Shape;141;p6"/>
+          <p:cNvSpPr txBox="1"/>
+          <p:nvPr/>
+        </p:nvSpPr>
+        <p:spPr>
+          <a:xfrm>
+            <a:off x="6368356" y="5851651"/>
+            <a:ext cx="2523962" cy="307777"/>
+          </a:xfrm>
+          <a:prstGeom prst="rect">
+            <a:avLst/>
+          </a:prstGeom>
+          <a:noFill/>
+          <a:ln>
+            <a:noFill/>
+          </a:ln>
+        </p:spPr>
+        <p:txBody>
+          <a:bodyPr anchorCtr="0" anchor="t" bIns="45700" lIns="91425" spcFirstLastPara="1" rIns="91425" wrap="square" tIns="45700">
+            <a:spAutoFit/>
+          </a:bodyPr>
+          <a:lstStyle/>
+          <a:p>
+            <a:pPr indent="-171450" lvl="0" marL="336947" marR="0" rtl="0" algn="l">
+              <a:lnSpc>
+                <a:spcPct val="100000"/>
+              </a:lnSpc>
+              <a:spcBef>
+                <a:spcPts val="0"/>
+              </a:spcBef>
+              <a:spcAft>
+                <a:spcPts val="0"/>
+              </a:spcAft>
+              <a:buNone/>
+            </a:pPr>
+            <a:r>
+              <a:rPr b="0" i="0" lang="en-US" sz="1400" u="sng" cap="none" strike="noStrike">
+                <a:solidFill>
+                  <a:srgbClr val="000000"/>
+                </a:solidFill>
+                <a:latin typeface="Arial"/>
+                <a:ea typeface="Arial"/>
+                <a:cs typeface="Arial"/>
+                <a:sym typeface="Arial"/>
+                <a:hlinkClick r:id="rId10">
+                  <a:extLst>
+                    <a:ext uri="{A12FA001-AC4F-418D-AE19-62706E023703}">
+                      <ahyp:hlinkClr val="tx"/>
+                    </a:ext>
+                  </a:extLst>
+                </a:hlinkClick>
+              </a:rPr>
+              <a:t>b09901030@ntu.edu.tw</a:t>
+            </a:r>
+            <a:endParaRPr b="0" i="0" sz="1400" u="none" cap="none" strike="noStrike">
+              <a:solidFill>
+                <a:srgbClr val="000000"/>
+              </a:solidFill>
+              <a:latin typeface="Arial"/>
+              <a:ea typeface="Arial"/>
+              <a:cs typeface="Arial"/>
+              <a:sym typeface="Arial"/>
+            </a:endParaRPr>
+          </a:p>
+        </p:txBody>
+      </p:sp>
     </p:spTree>
   </p:cSld>
   <p:clrMapOvr>
@@ -27738,7 +27953,7 @@
   <p:cSld>
     <p:spTree>
       <p:nvGrpSpPr>
-        <p:cNvPr id="143" name="Shape 143"/>
+        <p:cNvPr id="146" name="Shape 146"/>
         <p:cNvGrpSpPr/>
         <p:nvPr/>
       </p:nvGrpSpPr>
@@ -27752,7 +27967,7 @@
       </p:grpSpPr>
       <p:sp>
         <p:nvSpPr>
-          <p:cNvPr id="144" name="Google Shape;144;p8"/>
+          <p:cNvPr id="147" name="Google Shape;147;p8"/>
           <p:cNvSpPr txBox="1"/>
           <p:nvPr>
             <p:ph idx="1" type="body"/>
@@ -27944,7 +28159,7 @@
       </p:sp>
       <p:sp>
         <p:nvSpPr>
-          <p:cNvPr id="145" name="Google Shape;145;p8"/>
+          <p:cNvPr id="148" name="Google Shape;148;p8"/>
           <p:cNvSpPr txBox="1"/>
           <p:nvPr/>
         </p:nvSpPr>
@@ -28012,7 +28227,7 @@
       </p:sp>
       <p:sp>
         <p:nvSpPr>
-          <p:cNvPr id="146" name="Google Shape;146;p8"/>
+          <p:cNvPr id="149" name="Google Shape;149;p8"/>
           <p:cNvSpPr txBox="1"/>
           <p:nvPr>
             <p:ph idx="12" type="sldNum"/>
@@ -28074,7 +28289,7 @@
   <p:cSld>
     <p:spTree>
       <p:nvGrpSpPr>
-        <p:cNvPr id="151" name="Shape 151"/>
+        <p:cNvPr id="154" name="Shape 154"/>
         <p:cNvGrpSpPr/>
         <p:nvPr/>
       </p:nvGrpSpPr>
@@ -28088,7 +28303,7 @@
       </p:grpSpPr>
       <p:sp>
         <p:nvSpPr>
-          <p:cNvPr id="152" name="Google Shape;152;p9"/>
+          <p:cNvPr id="155" name="Google Shape;155;p9"/>
           <p:cNvSpPr txBox="1"/>
           <p:nvPr>
             <p:ph idx="1" type="body"/>
@@ -28361,7 +28576,7 @@
       </p:sp>
       <p:sp>
         <p:nvSpPr>
-          <p:cNvPr id="153" name="Google Shape;153;p9"/>
+          <p:cNvPr id="156" name="Google Shape;156;p9"/>
           <p:cNvSpPr txBox="1"/>
           <p:nvPr/>
         </p:nvSpPr>
@@ -28429,7 +28644,7 @@
       </p:sp>
       <p:sp>
         <p:nvSpPr>
-          <p:cNvPr id="154" name="Google Shape;154;p9"/>
+          <p:cNvPr id="157" name="Google Shape;157;p9"/>
           <p:cNvSpPr txBox="1"/>
           <p:nvPr>
             <p:ph idx="12" type="sldNum"/>
@@ -28491,7 +28706,7 @@
   <p:cSld>
     <p:spTree>
       <p:nvGrpSpPr>
-        <p:cNvPr id="159" name="Shape 159"/>
+        <p:cNvPr id="162" name="Shape 162"/>
         <p:cNvGrpSpPr/>
         <p:nvPr/>
       </p:nvGrpSpPr>
@@ -28505,7 +28720,7 @@
       </p:grpSpPr>
       <p:sp>
         <p:nvSpPr>
-          <p:cNvPr id="160" name="Google Shape;160;p24"/>
+          <p:cNvPr id="163" name="Google Shape;163;p24"/>
           <p:cNvSpPr txBox="1"/>
           <p:nvPr>
             <p:ph idx="1" type="body"/>
@@ -28561,7 +28776,7 @@
       </p:sp>
       <p:sp>
         <p:nvSpPr>
-          <p:cNvPr id="161" name="Google Shape;161;p24"/>
+          <p:cNvPr id="164" name="Google Shape;164;p24"/>
           <p:cNvSpPr txBox="1"/>
           <p:nvPr/>
         </p:nvSpPr>
@@ -28629,7 +28844,7 @@
       </p:sp>
       <p:sp>
         <p:nvSpPr>
-          <p:cNvPr id="162" name="Google Shape;162;p24"/>
+          <p:cNvPr id="165" name="Google Shape;165;p24"/>
           <p:cNvSpPr txBox="1"/>
           <p:nvPr>
             <p:ph idx="12" type="sldNum"/>
@@ -28677,7 +28892,7 @@
       </p:sp>
       <p:pic>
         <p:nvPicPr>
-          <p:cNvPr id="163" name="Google Shape;163;p24"/>
+          <p:cNvPr id="166" name="Google Shape;166;p24"/>
           <p:cNvPicPr preferRelativeResize="0"/>
           <p:nvPr/>
         </p:nvPicPr>
